--- a/ppt/9.Discrete random variable.pptx
+++ b/ppt/9.Discrete random variable.pptx
@@ -271,7 +271,7 @@
           <a:p>
             <a:fld id="{1EE864B2-FE1C-4512-B858-B3C08DC579D1}" type="datetimeFigureOut">
               <a:rPr lang="ko-KR" altLang="en-US" smtClean="0"/>
-              <a:t>2016-06-03</a:t>
+              <a:t>2017-05-17</a:t>
             </a:fld>
             <a:endParaRPr lang="ko-KR" altLang="en-US"/>
           </a:p>
@@ -441,7 +441,7 @@
           <a:p>
             <a:fld id="{1EE864B2-FE1C-4512-B858-B3C08DC579D1}" type="datetimeFigureOut">
               <a:rPr lang="ko-KR" altLang="en-US" smtClean="0"/>
-              <a:t>2016-06-03</a:t>
+              <a:t>2017-05-17</a:t>
             </a:fld>
             <a:endParaRPr lang="ko-KR" altLang="en-US"/>
           </a:p>
@@ -621,7 +621,7 @@
           <a:p>
             <a:fld id="{1EE864B2-FE1C-4512-B858-B3C08DC579D1}" type="datetimeFigureOut">
               <a:rPr lang="ko-KR" altLang="en-US" smtClean="0"/>
-              <a:t>2016-06-03</a:t>
+              <a:t>2017-05-17</a:t>
             </a:fld>
             <a:endParaRPr lang="ko-KR" altLang="en-US"/>
           </a:p>
@@ -791,7 +791,7 @@
           <a:p>
             <a:fld id="{1EE864B2-FE1C-4512-B858-B3C08DC579D1}" type="datetimeFigureOut">
               <a:rPr lang="ko-KR" altLang="en-US" smtClean="0"/>
-              <a:t>2016-06-03</a:t>
+              <a:t>2017-05-17</a:t>
             </a:fld>
             <a:endParaRPr lang="ko-KR" altLang="en-US"/>
           </a:p>
@@ -1037,7 +1037,7 @@
           <a:p>
             <a:fld id="{1EE864B2-FE1C-4512-B858-B3C08DC579D1}" type="datetimeFigureOut">
               <a:rPr lang="ko-KR" altLang="en-US" smtClean="0"/>
-              <a:t>2016-06-03</a:t>
+              <a:t>2017-05-17</a:t>
             </a:fld>
             <a:endParaRPr lang="ko-KR" altLang="en-US"/>
           </a:p>
@@ -1269,7 +1269,7 @@
           <a:p>
             <a:fld id="{1EE864B2-FE1C-4512-B858-B3C08DC579D1}" type="datetimeFigureOut">
               <a:rPr lang="ko-KR" altLang="en-US" smtClean="0"/>
-              <a:t>2016-06-03</a:t>
+              <a:t>2017-05-17</a:t>
             </a:fld>
             <a:endParaRPr lang="ko-KR" altLang="en-US"/>
           </a:p>
@@ -1636,7 +1636,7 @@
           <a:p>
             <a:fld id="{1EE864B2-FE1C-4512-B858-B3C08DC579D1}" type="datetimeFigureOut">
               <a:rPr lang="ko-KR" altLang="en-US" smtClean="0"/>
-              <a:t>2016-06-03</a:t>
+              <a:t>2017-05-17</a:t>
             </a:fld>
             <a:endParaRPr lang="ko-KR" altLang="en-US"/>
           </a:p>
@@ -1754,7 +1754,7 @@
           <a:p>
             <a:fld id="{1EE864B2-FE1C-4512-B858-B3C08DC579D1}" type="datetimeFigureOut">
               <a:rPr lang="ko-KR" altLang="en-US" smtClean="0"/>
-              <a:t>2016-06-03</a:t>
+              <a:t>2017-05-17</a:t>
             </a:fld>
             <a:endParaRPr lang="ko-KR" altLang="en-US"/>
           </a:p>
@@ -1849,7 +1849,7 @@
           <a:p>
             <a:fld id="{1EE864B2-FE1C-4512-B858-B3C08DC579D1}" type="datetimeFigureOut">
               <a:rPr lang="ko-KR" altLang="en-US" smtClean="0"/>
-              <a:t>2016-06-03</a:t>
+              <a:t>2017-05-17</a:t>
             </a:fld>
             <a:endParaRPr lang="ko-KR" altLang="en-US"/>
           </a:p>
@@ -2126,7 +2126,7 @@
           <a:p>
             <a:fld id="{1EE864B2-FE1C-4512-B858-B3C08DC579D1}" type="datetimeFigureOut">
               <a:rPr lang="ko-KR" altLang="en-US" smtClean="0"/>
-              <a:t>2016-06-03</a:t>
+              <a:t>2017-05-17</a:t>
             </a:fld>
             <a:endParaRPr lang="ko-KR" altLang="en-US"/>
           </a:p>
@@ -2379,7 +2379,7 @@
           <a:p>
             <a:fld id="{1EE864B2-FE1C-4512-B858-B3C08DC579D1}" type="datetimeFigureOut">
               <a:rPr lang="ko-KR" altLang="en-US" smtClean="0"/>
-              <a:t>2016-06-03</a:t>
+              <a:t>2017-05-17</a:t>
             </a:fld>
             <a:endParaRPr lang="ko-KR" altLang="en-US"/>
           </a:p>
@@ -2592,7 +2592,7 @@
           <a:p>
             <a:fld id="{1EE864B2-FE1C-4512-B858-B3C08DC579D1}" type="datetimeFigureOut">
               <a:rPr lang="ko-KR" altLang="en-US" smtClean="0"/>
-              <a:t>2016-06-03</a:t>
+              <a:t>2017-05-17</a:t>
             </a:fld>
             <a:endParaRPr lang="ko-KR" altLang="en-US"/>
           </a:p>
@@ -5540,8 +5540,8 @@
           </a:p>
         </p:txBody>
       </p:sp>
-      <mc:AlternateContent xmlns:mc="http://schemas.openxmlformats.org/markup-compatibility/2006">
-        <mc:Choice xmlns:a14="http://schemas.microsoft.com/office/drawing/2010/main" Requires="a14">
+      <mc:AlternateContent xmlns:mc="http://schemas.openxmlformats.org/markup-compatibility/2006" xmlns:a14="http://schemas.microsoft.com/office/drawing/2010/main">
+        <mc:Choice Requires="a14">
           <p:sp>
             <p:nvSpPr>
               <p:cNvPr id="3" name="내용 개체 틀 2"/>
@@ -6330,7 +6330,7 @@
             </p:txBody>
           </p:sp>
         </mc:Choice>
-        <mc:Fallback>
+        <mc:Fallback xmlns="">
           <p:sp>
             <p:nvSpPr>
               <p:cNvPr id="3" name="내용 개체 틀 2"/>
@@ -7865,7 +7865,6 @@
               <a:rPr lang="en-US" altLang="ko-KR" sz="1600" dirty="0"/>
               <a:t>, 'h')</a:t>
             </a:r>
-            <a:endParaRPr lang="en-US" altLang="ko-KR" sz="1600" dirty="0"/>
           </a:p>
         </p:txBody>
       </p:sp>
@@ -10789,8 +10788,8 @@
           </a:p>
         </p:txBody>
       </p:sp>
-      <mc:AlternateContent xmlns:mc="http://schemas.openxmlformats.org/markup-compatibility/2006" xmlns:a14="http://schemas.microsoft.com/office/drawing/2010/main">
-        <mc:Choice Requires="a14">
+      <mc:AlternateContent xmlns:mc="http://schemas.openxmlformats.org/markup-compatibility/2006">
+        <mc:Choice xmlns:a14="http://schemas.microsoft.com/office/drawing/2010/main" Requires="a14">
           <p:sp>
             <p:nvSpPr>
               <p:cNvPr id="3" name="내용 개체 틀 2"/>
@@ -10877,7 +10876,14 @@
                         <a:latin typeface="Cambria Math" panose="02040503050406030204" pitchFamily="18" charset="0"/>
                         <a:ea typeface="Cambria Math" panose="02040503050406030204" pitchFamily="18" charset="0"/>
                       </a:rPr>
-                      <m:t>=5)</m:t>
+                      <m:t>≤</m:t>
+                    </m:r>
+                    <m:r>
+                      <a:rPr lang="en-US" altLang="ko-KR" b="0" i="1" smtClean="0">
+                        <a:latin typeface="Cambria Math" panose="02040503050406030204" pitchFamily="18" charset="0"/>
+                        <a:ea typeface="Cambria Math" panose="02040503050406030204" pitchFamily="18" charset="0"/>
+                      </a:rPr>
+                      <m:t>5)</m:t>
                     </m:r>
                   </m:oMath>
                 </a14:m>
@@ -10921,7 +10927,7 @@
             </p:txBody>
           </p:sp>
         </mc:Choice>
-        <mc:Fallback xmlns="">
+        <mc:Fallback>
           <p:sp>
             <p:nvSpPr>
               <p:cNvPr id="3" name="내용 개체 틀 2"/>

--- a/ppt/9.Discrete random variable.pptx
+++ b/ppt/9.Discrete random variable.pptx
@@ -271,7 +271,7 @@
           <a:p>
             <a:fld id="{1EE864B2-FE1C-4512-B858-B3C08DC579D1}" type="datetimeFigureOut">
               <a:rPr lang="ko-KR" altLang="en-US" smtClean="0"/>
-              <a:t>2017-05-17</a:t>
+              <a:t>2017-06-01</a:t>
             </a:fld>
             <a:endParaRPr lang="ko-KR" altLang="en-US"/>
           </a:p>
@@ -441,7 +441,7 @@
           <a:p>
             <a:fld id="{1EE864B2-FE1C-4512-B858-B3C08DC579D1}" type="datetimeFigureOut">
               <a:rPr lang="ko-KR" altLang="en-US" smtClean="0"/>
-              <a:t>2017-05-17</a:t>
+              <a:t>2017-06-01</a:t>
             </a:fld>
             <a:endParaRPr lang="ko-KR" altLang="en-US"/>
           </a:p>
@@ -621,7 +621,7 @@
           <a:p>
             <a:fld id="{1EE864B2-FE1C-4512-B858-B3C08DC579D1}" type="datetimeFigureOut">
               <a:rPr lang="ko-KR" altLang="en-US" smtClean="0"/>
-              <a:t>2017-05-17</a:t>
+              <a:t>2017-06-01</a:t>
             </a:fld>
             <a:endParaRPr lang="ko-KR" altLang="en-US"/>
           </a:p>
@@ -791,7 +791,7 @@
           <a:p>
             <a:fld id="{1EE864B2-FE1C-4512-B858-B3C08DC579D1}" type="datetimeFigureOut">
               <a:rPr lang="ko-KR" altLang="en-US" smtClean="0"/>
-              <a:t>2017-05-17</a:t>
+              <a:t>2017-06-01</a:t>
             </a:fld>
             <a:endParaRPr lang="ko-KR" altLang="en-US"/>
           </a:p>
@@ -1037,7 +1037,7 @@
           <a:p>
             <a:fld id="{1EE864B2-FE1C-4512-B858-B3C08DC579D1}" type="datetimeFigureOut">
               <a:rPr lang="ko-KR" altLang="en-US" smtClean="0"/>
-              <a:t>2017-05-17</a:t>
+              <a:t>2017-06-01</a:t>
             </a:fld>
             <a:endParaRPr lang="ko-KR" altLang="en-US"/>
           </a:p>
@@ -1269,7 +1269,7 @@
           <a:p>
             <a:fld id="{1EE864B2-FE1C-4512-B858-B3C08DC579D1}" type="datetimeFigureOut">
               <a:rPr lang="ko-KR" altLang="en-US" smtClean="0"/>
-              <a:t>2017-05-17</a:t>
+              <a:t>2017-06-01</a:t>
             </a:fld>
             <a:endParaRPr lang="ko-KR" altLang="en-US"/>
           </a:p>
@@ -1636,7 +1636,7 @@
           <a:p>
             <a:fld id="{1EE864B2-FE1C-4512-B858-B3C08DC579D1}" type="datetimeFigureOut">
               <a:rPr lang="ko-KR" altLang="en-US" smtClean="0"/>
-              <a:t>2017-05-17</a:t>
+              <a:t>2017-06-01</a:t>
             </a:fld>
             <a:endParaRPr lang="ko-KR" altLang="en-US"/>
           </a:p>
@@ -1754,7 +1754,7 @@
           <a:p>
             <a:fld id="{1EE864B2-FE1C-4512-B858-B3C08DC579D1}" type="datetimeFigureOut">
               <a:rPr lang="ko-KR" altLang="en-US" smtClean="0"/>
-              <a:t>2017-05-17</a:t>
+              <a:t>2017-06-01</a:t>
             </a:fld>
             <a:endParaRPr lang="ko-KR" altLang="en-US"/>
           </a:p>
@@ -1849,7 +1849,7 @@
           <a:p>
             <a:fld id="{1EE864B2-FE1C-4512-B858-B3C08DC579D1}" type="datetimeFigureOut">
               <a:rPr lang="ko-KR" altLang="en-US" smtClean="0"/>
-              <a:t>2017-05-17</a:t>
+              <a:t>2017-06-01</a:t>
             </a:fld>
             <a:endParaRPr lang="ko-KR" altLang="en-US"/>
           </a:p>
@@ -2126,7 +2126,7 @@
           <a:p>
             <a:fld id="{1EE864B2-FE1C-4512-B858-B3C08DC579D1}" type="datetimeFigureOut">
               <a:rPr lang="ko-KR" altLang="en-US" smtClean="0"/>
-              <a:t>2017-05-17</a:t>
+              <a:t>2017-06-01</a:t>
             </a:fld>
             <a:endParaRPr lang="ko-KR" altLang="en-US"/>
           </a:p>
@@ -2379,7 +2379,7 @@
           <a:p>
             <a:fld id="{1EE864B2-FE1C-4512-B858-B3C08DC579D1}" type="datetimeFigureOut">
               <a:rPr lang="ko-KR" altLang="en-US" smtClean="0"/>
-              <a:t>2017-05-17</a:t>
+              <a:t>2017-06-01</a:t>
             </a:fld>
             <a:endParaRPr lang="ko-KR" altLang="en-US"/>
           </a:p>
@@ -2592,7 +2592,7 @@
           <a:p>
             <a:fld id="{1EE864B2-FE1C-4512-B858-B3C08DC579D1}" type="datetimeFigureOut">
               <a:rPr lang="ko-KR" altLang="en-US" smtClean="0"/>
-              <a:t>2017-05-17</a:t>
+              <a:t>2017-06-01</a:t>
             </a:fld>
             <a:endParaRPr lang="ko-KR" altLang="en-US"/>
           </a:p>
@@ -10788,8 +10788,8 @@
           </a:p>
         </p:txBody>
       </p:sp>
-      <mc:AlternateContent xmlns:mc="http://schemas.openxmlformats.org/markup-compatibility/2006">
-        <mc:Choice xmlns:a14="http://schemas.microsoft.com/office/drawing/2010/main" Requires="a14">
+      <mc:AlternateContent xmlns:mc="http://schemas.openxmlformats.org/markup-compatibility/2006" xmlns:a14="http://schemas.microsoft.com/office/drawing/2010/main">
+        <mc:Choice Requires="a14">
           <p:sp>
             <p:nvSpPr>
               <p:cNvPr id="3" name="내용 개체 틀 2"/>
@@ -10876,14 +10876,7 @@
                         <a:latin typeface="Cambria Math" panose="02040503050406030204" pitchFamily="18" charset="0"/>
                         <a:ea typeface="Cambria Math" panose="02040503050406030204" pitchFamily="18" charset="0"/>
                       </a:rPr>
-                      <m:t>≤</m:t>
-                    </m:r>
-                    <m:r>
-                      <a:rPr lang="en-US" altLang="ko-KR" b="0" i="1" smtClean="0">
-                        <a:latin typeface="Cambria Math" panose="02040503050406030204" pitchFamily="18" charset="0"/>
-                        <a:ea typeface="Cambria Math" panose="02040503050406030204" pitchFamily="18" charset="0"/>
-                      </a:rPr>
-                      <m:t>5)</m:t>
+                      <m:t>≤5)</m:t>
                     </m:r>
                   </m:oMath>
                 </a14:m>
@@ -10927,7 +10920,7 @@
             </p:txBody>
           </p:sp>
         </mc:Choice>
-        <mc:Fallback>
+        <mc:Fallback xmlns="">
           <p:sp>
             <p:nvSpPr>
               <p:cNvPr id="3" name="내용 개체 틀 2"/>
@@ -11770,8 +11763,8 @@
           </a:p>
         </p:txBody>
       </p:sp>
-      <mc:AlternateContent xmlns:mc="http://schemas.openxmlformats.org/markup-compatibility/2006" xmlns:a14="http://schemas.microsoft.com/office/drawing/2010/main">
-        <mc:Choice Requires="a14">
+      <mc:AlternateContent xmlns:mc="http://schemas.openxmlformats.org/markup-compatibility/2006">
+        <mc:Choice xmlns:a14="http://schemas.microsoft.com/office/drawing/2010/main" Requires="a14">
           <p:sp>
             <p:nvSpPr>
               <p:cNvPr id="3" name="내용 개체 틀 2"/>
@@ -12733,14 +12726,18 @@
                   <a:t>binom</a:t>
                 </a:r>
                 <a:r>
+                  <a:rPr lang="en-US" altLang="ko-KR" smtClean="0"/>
+                  <a:t>(1,p</a:t>
+                </a:r>
+                <a:r>
                   <a:rPr lang="en-US" altLang="ko-KR" dirty="0" smtClean="0"/>
-                  <a:t>(1,p).</a:t>
+                  <a:t>).</a:t>
                 </a:r>
               </a:p>
             </p:txBody>
           </p:sp>
         </mc:Choice>
-        <mc:Fallback xmlns="">
+        <mc:Fallback>
           <p:sp>
             <p:nvSpPr>
               <p:cNvPr id="3" name="내용 개체 틀 2"/>

--- a/ppt/9.Discrete random variable.pptx
+++ b/ppt/9.Discrete random variable.pptx
@@ -4877,7 +4877,11 @@
             </a:br>
             <a:r>
               <a:rPr lang="en-US" altLang="ko-KR" dirty="0" smtClean="0"/>
-              <a:t>              &lt;- frequency)N</a:t>
+              <a:t>              &lt;- </a:t>
+            </a:r>
+            <a:r>
+              <a:rPr lang="en-US" altLang="ko-KR" dirty="0" smtClean="0"/>
+              <a:t>frequency/N</a:t>
             </a:r>
             <a:endParaRPr lang="en-US" altLang="ko-KR" dirty="0"/>
           </a:p>
@@ -4949,12 +4953,16 @@
               <a:t>plot(x, </a:t>
             </a:r>
             <a:r>
-              <a:rPr lang="en-US" altLang="ko-KR" dirty="0" err="1"/>
+              <a:rPr lang="en-US" altLang="ko-KR" dirty="0" err="1" smtClean="0"/>
               <a:t>relative_frequency</a:t>
             </a:r>
             <a:r>
-              <a:rPr lang="en-US" altLang="ko-KR" dirty="0"/>
-              <a:t>, 'h')</a:t>
+              <a:rPr lang="en-US" altLang="ko-KR" dirty="0" smtClean="0"/>
+              <a:t>, </a:t>
+            </a:r>
+            <a:r>
+              <a:rPr lang="en-US" altLang="ko-KR" dirty="0"/>
+              <a:t>'h')</a:t>
             </a:r>
           </a:p>
           <a:p>
@@ -7423,7 +7431,12 @@
             <p:ph sz="half" idx="1"/>
           </p:nvPr>
         </p:nvSpPr>
-        <p:spPr/>
+        <p:spPr>
+          <a:xfrm>
+            <a:off x="787167" y="1690688"/>
+            <a:ext cx="5181600" cy="4351338"/>
+          </a:xfrm>
+        </p:spPr>
         <p:txBody>
           <a:bodyPr>
             <a:noAutofit/>
@@ -8254,11 +8267,7 @@
                 </a:br>
                 <a:r>
                   <a:rPr lang="en-US" altLang="ko-KR" dirty="0" smtClean="0"/>
-                  <a:t>[1</a:t>
-                </a:r>
-                <a:r>
-                  <a:rPr lang="en-US" altLang="ko-KR" smtClean="0"/>
-                  <a:t>] 0.0793732</a:t>
+                  <a:t>[1] 0.0793732</a:t>
                 </a:r>
                 <a:endParaRPr lang="ko-KR" altLang="en-US" dirty="0"/>
               </a:p>
@@ -9300,7 +9309,7 @@
         </p:nvSpPr>
         <p:spPr>
           <a:xfrm>
-            <a:off x="5267915" y="1825625"/>
+            <a:off x="5333818" y="1690688"/>
             <a:ext cx="6206591" cy="4351338"/>
           </a:xfrm>
         </p:spPr>
@@ -9554,7 +9563,7 @@
             </a:r>
             <a:r>
               <a:rPr lang="en-US" altLang="ko-KR" dirty="0" smtClean="0"/>
-              <a:t>density </a:t>
+              <a:t>distribution </a:t>
             </a:r>
             <a:r>
               <a:rPr lang="en-US" altLang="ko-KR" dirty="0"/>
@@ -9941,8 +9950,8 @@
           </a:p>
         </p:txBody>
       </p:sp>
-      <mc:AlternateContent xmlns:mc="http://schemas.openxmlformats.org/markup-compatibility/2006" xmlns:a14="http://schemas.microsoft.com/office/drawing/2010/main">
-        <mc:Choice Requires="a14">
+      <mc:AlternateContent xmlns:mc="http://schemas.openxmlformats.org/markup-compatibility/2006">
+        <mc:Choice xmlns:a14="http://schemas.microsoft.com/office/drawing/2010/main" Requires="a14">
           <p:sp>
             <p:nvSpPr>
               <p:cNvPr id="3" name="내용 개체 틀 2"/>
@@ -10041,12 +10050,8 @@
                   <a:t>approximated by </a:t>
                 </a:r>
                 <a:r>
-                  <a:rPr lang="en-US" altLang="ko-KR" dirty="0" err="1" smtClean="0"/>
-                  <a:t>Poiss</a:t>
-                </a:r>
-                <a:r>
-                  <a:rPr lang="en-US" altLang="ko-KR" dirty="0" smtClean="0"/>
-                  <a:t>(</a:t>
+                  <a:rPr lang="en-US" altLang="ko-KR" smtClean="0"/>
+                  <a:t>pois(</a:t>
                 </a:r>
                 <a14:m>
                   <m:oMath xmlns:m="http://schemas.openxmlformats.org/officeDocument/2006/math">
@@ -10146,7 +10151,7 @@
             </p:txBody>
           </p:sp>
         </mc:Choice>
-        <mc:Fallback xmlns="">
+        <mc:Fallback>
           <p:sp>
             <p:nvSpPr>
               <p:cNvPr id="3" name="내용 개체 틀 2"/>
@@ -12726,7 +12731,7 @@
                   <a:t>binom</a:t>
                 </a:r>
                 <a:r>
-                  <a:rPr lang="en-US" altLang="ko-KR" smtClean="0"/>
+                  <a:rPr lang="en-US" altLang="ko-KR" dirty="0" smtClean="0"/>
                   <a:t>(1,p</a:t>
                 </a:r>
                 <a:r>
@@ -13596,7 +13601,7 @@
         </p:nvSpPr>
         <p:spPr>
           <a:xfrm>
-            <a:off x="5866725" y="1825625"/>
+            <a:off x="5809060" y="1825625"/>
             <a:ext cx="5769621" cy="4351338"/>
           </a:xfrm>
         </p:spPr>
@@ -14215,11 +14220,11 @@
               <a:t>ylab</a:t>
             </a:r>
             <a:r>
-              <a:rPr lang="en-US" altLang="ko-KR"/>
+              <a:rPr lang="en-US" altLang="ko-KR" dirty="0"/>
               <a:t>="</a:t>
             </a:r>
             <a:r>
-              <a:rPr lang="en-US" altLang="ko-KR" smtClean="0"/>
+              <a:rPr lang="en-US" altLang="ko-KR" dirty="0" smtClean="0"/>
               <a:t>P(X&lt;=</a:t>
             </a:r>
             <a:r>

--- a/ppt/9.Discrete random variable.pptx
+++ b/ppt/9.Discrete random variable.pptx
@@ -10050,8 +10050,12 @@
                   <a:t>approximated by </a:t>
                 </a:r>
                 <a:r>
-                  <a:rPr lang="en-US" altLang="ko-KR" smtClean="0"/>
-                  <a:t>pois(</a:t>
+                  <a:rPr lang="en-US" altLang="ko-KR" dirty="0" err="1" smtClean="0"/>
+                  <a:t>pois</a:t>
+                </a:r>
+                <a:r>
+                  <a:rPr lang="en-US" altLang="ko-KR" dirty="0" smtClean="0"/>
+                  <a:t>(</a:t>
                 </a:r>
                 <a14:m>
                   <m:oMath xmlns:m="http://schemas.openxmlformats.org/officeDocument/2006/math">
